--- a/Predicting High School Graduation Rates.pptx
+++ b/Predicting High School Graduation Rates.pptx
@@ -5,10 +5,10 @@
     <p:sldMasterId id="2147483660" r:id="rId4"/>
   </p:sldMasterIdLst>
   <p:notesMasterIdLst>
-    <p:notesMasterId r:id="rId16"/>
+    <p:notesMasterId r:id="rId17"/>
   </p:notesMasterIdLst>
   <p:handoutMasterIdLst>
-    <p:handoutMasterId r:id="rId17"/>
+    <p:handoutMasterId r:id="rId18"/>
   </p:handoutMasterIdLst>
   <p:sldIdLst>
     <p:sldId id="264" r:id="rId5"/>
@@ -19,9 +19,10 @@
     <p:sldId id="283" r:id="rId10"/>
     <p:sldId id="286" r:id="rId11"/>
     <p:sldId id="287" r:id="rId12"/>
-    <p:sldId id="288" r:id="rId13"/>
-    <p:sldId id="285" r:id="rId14"/>
-    <p:sldId id="289" r:id="rId15"/>
+    <p:sldId id="290" r:id="rId13"/>
+    <p:sldId id="288" r:id="rId14"/>
+    <p:sldId id="285" r:id="rId15"/>
+    <p:sldId id="289" r:id="rId16"/>
   </p:sldIdLst>
   <p:sldSz cx="12188825" cy="6858000"/>
   <p:notesSz cx="6858000" cy="9144000"/>
@@ -243,7 +244,7 @@
                   <a:schemeClr val="tx2"/>
                 </a:solidFill>
               </a:rPr>
-              <a:t>7/9/2018</a:t>
+              <a:t>8/18/2018</a:t>
             </a:fld>
             <a:endParaRPr>
               <a:solidFill>
@@ -433,7 +434,7 @@
             <a:fld id="{F95CF31C-F757-429C-A789-86504F04C3BE}" type="datetimeFigureOut">
               <a:rPr lang="en-US"/>
               <a:pPr/>
-              <a:t>7/9/2018</a:t>
+              <a:t>8/18/2018</a:t>
             </a:fld>
             <a:endParaRPr/>
           </a:p>
@@ -1028,7 +1029,7 @@
           <a:p>
             <a:fld id="{7AECB6C2-1084-4AED-A74A-DF028B0094EA}" type="datetimeFigureOut">
               <a:rPr lang="en-US"/>
-              <a:t>7/9/2018</a:t>
+              <a:t>8/18/2018</a:t>
             </a:fld>
             <a:endParaRPr/>
           </a:p>
@@ -1220,7 +1221,7 @@
           <a:p>
             <a:fld id="{7AECB6C2-1084-4AED-A74A-DF028B0094EA}" type="datetimeFigureOut">
               <a:rPr lang="en-US"/>
-              <a:t>7/9/2018</a:t>
+              <a:t>8/18/2018</a:t>
             </a:fld>
             <a:endParaRPr/>
           </a:p>
@@ -1418,7 +1419,7 @@
           <a:p>
             <a:fld id="{8B5A30F4-0B4E-4E4B-BC36-C30CD13F4E17}" type="datetimeFigureOut">
               <a:rPr lang="en-US"/>
-              <a:t>7/9/2018</a:t>
+              <a:t>8/18/2018</a:t>
             </a:fld>
             <a:endParaRPr dirty="0"/>
           </a:p>
@@ -1935,7 +1936,7 @@
           <a:p>
             <a:fld id="{2DD204D1-F9BD-4643-8480-6EA41EB484F1}" type="datetimeFigureOut">
               <a:rPr lang="en-US"/>
-              <a:t>7/9/2018</a:t>
+              <a:t>8/18/2018</a:t>
             </a:fld>
             <a:endParaRPr/>
           </a:p>
@@ -2383,7 +2384,7 @@
           <a:p>
             <a:fld id="{2DD204D1-F9BD-4643-8480-6EA41EB484F1}" type="datetimeFigureOut">
               <a:rPr lang="en-US"/>
-              <a:t>7/9/2018</a:t>
+              <a:t>8/18/2018</a:t>
             </a:fld>
             <a:endParaRPr/>
           </a:p>
@@ -2513,7 +2514,7 @@
           <a:p>
             <a:fld id="{2DD204D1-F9BD-4643-8480-6EA41EB484F1}" type="datetimeFigureOut">
               <a:rPr lang="en-US"/>
-              <a:t>7/9/2018</a:t>
+              <a:t>8/18/2018</a:t>
             </a:fld>
             <a:endParaRPr/>
           </a:p>
@@ -2620,7 +2621,7 @@
           <a:p>
             <a:fld id="{2DD204D1-F9BD-4643-8480-6EA41EB484F1}" type="datetimeFigureOut">
               <a:rPr lang="en-US"/>
-              <a:t>7/9/2018</a:t>
+              <a:t>8/18/2018</a:t>
             </a:fld>
             <a:endParaRPr/>
           </a:p>
@@ -2977,7 +2978,7 @@
           <a:p>
             <a:fld id="{126BF754-515F-40B9-8D24-D54D5825B3D0}" type="datetimeFigureOut">
               <a:rPr lang="en-US"/>
-              <a:t>7/9/2018</a:t>
+              <a:t>8/18/2018</a:t>
             </a:fld>
             <a:endParaRPr/>
           </a:p>
@@ -3314,7 +3315,7 @@
           <a:p>
             <a:fld id="{126BF754-515F-40B9-8D24-D54D5825B3D0}" type="datetimeFigureOut">
               <a:rPr lang="en-US"/>
-              <a:t>7/9/2018</a:t>
+              <a:t>8/18/2018</a:t>
             </a:fld>
             <a:endParaRPr/>
           </a:p>
@@ -3609,7 +3610,7 @@
             <a:fld id="{2DD204D1-F9BD-4643-8480-6EA41EB484F1}" type="datetimeFigureOut">
               <a:rPr lang="en-US" smtClean="0"/>
               <a:pPr/>
-              <a:t>7/9/2018</a:t>
+              <a:t>8/18/2018</a:t>
             </a:fld>
             <a:endParaRPr lang="en-US"/>
           </a:p>
@@ -4146,7 +4147,7 @@
           <p:cNvPr id="2" name="TextBox 1">
             <a:extLst>
               <a:ext uri="{FF2B5EF4-FFF2-40B4-BE49-F238E27FC236}">
-                <a16:creationId xmlns:a16="http://schemas.microsoft.com/office/drawing/2014/main" id="{3C42D475-481F-4C08-9544-07E3732D1F94}"/>
+                <a16:creationId xmlns:a16="http://schemas.microsoft.com/office/drawing/2014/main" id="{011948C3-1AB9-4D9E-8BE1-75C35561C22C}"/>
               </a:ext>
             </a:extLst>
           </p:cNvPr>
@@ -4155,8 +4156,8 @@
         </p:nvSpPr>
         <p:spPr>
           <a:xfrm>
-            <a:off x="912812" y="533400"/>
-            <a:ext cx="10744200" cy="5447645"/>
+            <a:off x="760412" y="304800"/>
+            <a:ext cx="10896600" cy="3939540"/>
           </a:xfrm>
           <a:prstGeom prst="rect">
             <a:avLst/>
@@ -4169,22 +4170,22 @@
           </a:bodyPr>
           <a:lstStyle/>
           <a:p>
-            <a:r>
-              <a:rPr lang="en-US" sz="4000" dirty="0">
-                <a:latin typeface="Arial" panose="020B0604020202020204" pitchFamily="34" charset="0"/>
-                <a:cs typeface="Arial" panose="020B0604020202020204" pitchFamily="34" charset="0"/>
+            <a:pPr algn="ctr"/>
+            <a:r>
+              <a:rPr lang="en-US" sz="3600" dirty="0">
+                <a:latin typeface="Arial Black" panose="020B0A04020102020204" pitchFamily="34" charset="0"/>
               </a:rPr>
-              <a:t>Recommendations</a:t>
-            </a:r>
-          </a:p>
-          <a:p>
-            <a:endParaRPr lang="en-US" sz="2800" dirty="0">
+              <a:t>Machine Learning Model</a:t>
+            </a:r>
+          </a:p>
+          <a:p>
+            <a:endParaRPr lang="en-US" sz="1800" dirty="0">
               <a:latin typeface="Arial" panose="020B0604020202020204" pitchFamily="34" charset="0"/>
               <a:cs typeface="Arial" panose="020B0604020202020204" pitchFamily="34" charset="0"/>
             </a:endParaRPr>
           </a:p>
           <a:p>
-            <a:pPr marL="514350" indent="-514350">
+            <a:pPr marL="342900" indent="-342900">
               <a:buFont typeface="+mj-lt"/>
               <a:buAutoNum type="arabicPeriod"/>
             </a:pPr>
@@ -4193,70 +4194,60 @@
                 <a:latin typeface="Arial" panose="020B0604020202020204" pitchFamily="34" charset="0"/>
                 <a:cs typeface="Arial" panose="020B0604020202020204" pitchFamily="34" charset="0"/>
               </a:rPr>
-              <a:t>Male students need to have programs that inject positive role models into their lives at an early age. These programs need to continue until graduation</a:t>
-            </a:r>
-          </a:p>
-          <a:p>
+              <a:t>Picked two regression models (Linear Regression and Lasso).</a:t>
+            </a:r>
+          </a:p>
+          <a:p>
+            <a:pPr marL="342900" indent="-342900">
+              <a:buFont typeface="+mj-lt"/>
+              <a:buAutoNum type="arabicPeriod"/>
+            </a:pPr>
             <a:r>
               <a:rPr lang="en-US" sz="2800" dirty="0">
                 <a:latin typeface="Arial" panose="020B0604020202020204" pitchFamily="34" charset="0"/>
                 <a:cs typeface="Arial" panose="020B0604020202020204" pitchFamily="34" charset="0"/>
               </a:rPr>
-              <a:t> 	- The program needs to be diverse and not necessarily </a:t>
-            </a:r>
-          </a:p>
-          <a:p>
+              <a:t>Set up a pipeline for each model and created a dictionary of parameters.</a:t>
+            </a:r>
+          </a:p>
+          <a:p>
+            <a:pPr marL="342900" indent="-342900">
+              <a:buFont typeface="+mj-lt"/>
+              <a:buAutoNum type="arabicPeriod"/>
+            </a:pPr>
             <a:r>
               <a:rPr lang="en-US" sz="2800" dirty="0">
                 <a:latin typeface="Arial" panose="020B0604020202020204" pitchFamily="34" charset="0"/>
                 <a:cs typeface="Arial" panose="020B0604020202020204" pitchFamily="34" charset="0"/>
               </a:rPr>
-              <a:t>	   focus on one ethnicity over another.</a:t>
-            </a:r>
-          </a:p>
-          <a:p>
+              <a:t>Ran each pipeline through </a:t>
+            </a:r>
+            <a:r>
+              <a:rPr lang="en-US" sz="2800" dirty="0" err="1">
+                <a:latin typeface="Arial" panose="020B0604020202020204" pitchFamily="34" charset="0"/>
+                <a:cs typeface="Arial" panose="020B0604020202020204" pitchFamily="34" charset="0"/>
+              </a:rPr>
+              <a:t>GridSearchCV</a:t>
+            </a:r>
             <a:r>
               <a:rPr lang="en-US" sz="2800" dirty="0">
                 <a:latin typeface="Arial" panose="020B0604020202020204" pitchFamily="34" charset="0"/>
                 <a:cs typeface="Arial" panose="020B0604020202020204" pitchFamily="34" charset="0"/>
               </a:rPr>
-              <a:t>	- Community leaders need to be apart of the program.</a:t>
-            </a:r>
-          </a:p>
-          <a:p>
+              <a:t> to calculate the best regression model and the best parameters.</a:t>
+            </a:r>
+          </a:p>
+          <a:p>
+            <a:pPr marL="342900" indent="-342900">
+              <a:buFont typeface="+mj-lt"/>
+              <a:buAutoNum type="arabicPeriod"/>
+            </a:pPr>
             <a:r>
               <a:rPr lang="en-US" sz="2800" dirty="0">
                 <a:latin typeface="Arial" panose="020B0604020202020204" pitchFamily="34" charset="0"/>
                 <a:cs typeface="Arial" panose="020B0604020202020204" pitchFamily="34" charset="0"/>
               </a:rPr>
-              <a:t>2. More male teachers need to be recruited especially at lower </a:t>
-            </a:r>
-          </a:p>
-          <a:p>
-            <a:r>
-              <a:rPr lang="en-US" sz="2800" dirty="0">
-                <a:latin typeface="Arial" panose="020B0604020202020204" pitchFamily="34" charset="0"/>
-                <a:cs typeface="Arial" panose="020B0604020202020204" pitchFamily="34" charset="0"/>
-              </a:rPr>
-              <a:t>    grade levels.</a:t>
-            </a:r>
-          </a:p>
-          <a:p>
-            <a:r>
-              <a:rPr lang="en-US" sz="2800" dirty="0">
-                <a:latin typeface="Arial" panose="020B0604020202020204" pitchFamily="34" charset="0"/>
-                <a:cs typeface="Arial" panose="020B0604020202020204" pitchFamily="34" charset="0"/>
-              </a:rPr>
-              <a:t>3. Each school district should start a program that provides basic</a:t>
-            </a:r>
-          </a:p>
-          <a:p>
-            <a:r>
-              <a:rPr lang="en-US" sz="2800" dirty="0">
-                <a:latin typeface="Arial" panose="020B0604020202020204" pitchFamily="34" charset="0"/>
-                <a:cs typeface="Arial" panose="020B0604020202020204" pitchFamily="34" charset="0"/>
-              </a:rPr>
-              <a:t>    health care for students in the form of a district health center.</a:t>
+              <a:t>Using R2 score, lasso with an alpha value of 0.05 was the best model with a score of 0.90 or 90%.</a:t>
             </a:r>
           </a:p>
         </p:txBody>
@@ -4264,7 +4255,7 @@
     </p:spTree>
     <p:extLst>
       <p:ext uri="{BB962C8B-B14F-4D97-AF65-F5344CB8AC3E}">
-        <p14:creationId xmlns:p14="http://schemas.microsoft.com/office/powerpoint/2010/main" val="2464581519"/>
+        <p14:creationId xmlns:p14="http://schemas.microsoft.com/office/powerpoint/2010/main" val="2747476742"/>
       </p:ext>
     </p:extLst>
   </p:cSld>
@@ -4308,6 +4299,186 @@
           <p:cNvPr id="2" name="TextBox 1">
             <a:extLst>
               <a:ext uri="{FF2B5EF4-FFF2-40B4-BE49-F238E27FC236}">
+                <a16:creationId xmlns:a16="http://schemas.microsoft.com/office/drawing/2014/main" id="{3C42D475-481F-4C08-9544-07E3732D1F94}"/>
+              </a:ext>
+            </a:extLst>
+          </p:cNvPr>
+          <p:cNvSpPr txBox="1"/>
+          <p:nvPr/>
+        </p:nvSpPr>
+        <p:spPr>
+          <a:xfrm>
+            <a:off x="912812" y="533400"/>
+            <a:ext cx="10744200" cy="6309420"/>
+          </a:xfrm>
+          <a:prstGeom prst="rect">
+            <a:avLst/>
+          </a:prstGeom>
+          <a:noFill/>
+        </p:spPr>
+        <p:txBody>
+          <a:bodyPr wrap="square" rtlCol="0">
+            <a:spAutoFit/>
+          </a:bodyPr>
+          <a:lstStyle/>
+          <a:p>
+            <a:r>
+              <a:rPr lang="en-US" sz="4000" dirty="0">
+                <a:latin typeface="Arial" panose="020B0604020202020204" pitchFamily="34" charset="0"/>
+                <a:cs typeface="Arial" panose="020B0604020202020204" pitchFamily="34" charset="0"/>
+              </a:rPr>
+              <a:t>Recommendations</a:t>
+            </a:r>
+          </a:p>
+          <a:p>
+            <a:endParaRPr lang="en-US" sz="2800" dirty="0">
+              <a:latin typeface="Arial" panose="020B0604020202020204" pitchFamily="34" charset="0"/>
+              <a:cs typeface="Arial" panose="020B0604020202020204" pitchFamily="34" charset="0"/>
+            </a:endParaRPr>
+          </a:p>
+          <a:p>
+            <a:pPr marL="514350" indent="-514350">
+              <a:buFont typeface="+mj-lt"/>
+              <a:buAutoNum type="arabicPeriod"/>
+            </a:pPr>
+            <a:r>
+              <a:rPr lang="en-US" sz="2800" dirty="0">
+                <a:latin typeface="Arial" panose="020B0604020202020204" pitchFamily="34" charset="0"/>
+                <a:cs typeface="Arial" panose="020B0604020202020204" pitchFamily="34" charset="0"/>
+              </a:rPr>
+              <a:t>Male students need to have programs that inject positive role models into their lives at an early age. These programs need to continue until graduation</a:t>
+            </a:r>
+          </a:p>
+          <a:p>
+            <a:r>
+              <a:rPr lang="en-US" sz="2800" dirty="0">
+                <a:latin typeface="Arial" panose="020B0604020202020204" pitchFamily="34" charset="0"/>
+                <a:cs typeface="Arial" panose="020B0604020202020204" pitchFamily="34" charset="0"/>
+              </a:rPr>
+              <a:t> 	- The program needs to be diverse and not necessarily </a:t>
+            </a:r>
+          </a:p>
+          <a:p>
+            <a:r>
+              <a:rPr lang="en-US" sz="2800" dirty="0">
+                <a:latin typeface="Arial" panose="020B0604020202020204" pitchFamily="34" charset="0"/>
+                <a:cs typeface="Arial" panose="020B0604020202020204" pitchFamily="34" charset="0"/>
+              </a:rPr>
+              <a:t>	   focus on one ethnicity over another.</a:t>
+            </a:r>
+          </a:p>
+          <a:p>
+            <a:r>
+              <a:rPr lang="en-US" sz="2800" dirty="0">
+                <a:latin typeface="Arial" panose="020B0604020202020204" pitchFamily="34" charset="0"/>
+                <a:cs typeface="Arial" panose="020B0604020202020204" pitchFamily="34" charset="0"/>
+              </a:rPr>
+              <a:t>	- Community leaders need to be apart of the program.</a:t>
+            </a:r>
+          </a:p>
+          <a:p>
+            <a:r>
+              <a:rPr lang="en-US" sz="2800" dirty="0">
+                <a:latin typeface="Arial" panose="020B0604020202020204" pitchFamily="34" charset="0"/>
+                <a:cs typeface="Arial" panose="020B0604020202020204" pitchFamily="34" charset="0"/>
+              </a:rPr>
+              <a:t>2. More male teachers need to be recruited especially at lower </a:t>
+            </a:r>
+          </a:p>
+          <a:p>
+            <a:r>
+              <a:rPr lang="en-US" sz="2800" dirty="0">
+                <a:latin typeface="Arial" panose="020B0604020202020204" pitchFamily="34" charset="0"/>
+                <a:cs typeface="Arial" panose="020B0604020202020204" pitchFamily="34" charset="0"/>
+              </a:rPr>
+              <a:t>    grade levels.</a:t>
+            </a:r>
+          </a:p>
+          <a:p>
+            <a:r>
+              <a:rPr lang="en-US" sz="2800" dirty="0">
+                <a:latin typeface="Arial" panose="020B0604020202020204" pitchFamily="34" charset="0"/>
+                <a:cs typeface="Arial" panose="020B0604020202020204" pitchFamily="34" charset="0"/>
+              </a:rPr>
+              <a:t>3. Each school district should start a program that provides basic</a:t>
+            </a:r>
+          </a:p>
+          <a:p>
+            <a:r>
+              <a:rPr lang="en-US" sz="2800" dirty="0">
+                <a:latin typeface="Arial" panose="020B0604020202020204" pitchFamily="34" charset="0"/>
+                <a:cs typeface="Arial" panose="020B0604020202020204" pitchFamily="34" charset="0"/>
+              </a:rPr>
+              <a:t>    health care for students in the form of a district health center.</a:t>
+            </a:r>
+          </a:p>
+          <a:p>
+            <a:r>
+              <a:rPr lang="en-US" sz="2800" dirty="0">
+                <a:latin typeface="Arial" panose="020B0604020202020204" pitchFamily="34" charset="0"/>
+                <a:cs typeface="Arial" panose="020B0604020202020204" pitchFamily="34" charset="0"/>
+              </a:rPr>
+              <a:t>4. Each school could host an event that starts during the day for     </a:t>
+            </a:r>
+          </a:p>
+          <a:p>
+            <a:r>
+              <a:rPr lang="en-US" sz="2800" dirty="0">
+                <a:latin typeface="Arial" panose="020B0604020202020204" pitchFamily="34" charset="0"/>
+                <a:cs typeface="Arial" panose="020B0604020202020204" pitchFamily="34" charset="0"/>
+              </a:rPr>
+              <a:t>    the students and continues that night for the community.</a:t>
+            </a:r>
+          </a:p>
+        </p:txBody>
+      </p:sp>
+    </p:spTree>
+    <p:extLst>
+      <p:ext uri="{BB962C8B-B14F-4D97-AF65-F5344CB8AC3E}">
+        <p14:creationId xmlns:p14="http://schemas.microsoft.com/office/powerpoint/2010/main" val="2464581519"/>
+      </p:ext>
+    </p:extLst>
+  </p:cSld>
+  <p:clrMapOvr>
+    <a:masterClrMapping/>
+  </p:clrMapOvr>
+  <mc:AlternateContent xmlns:mc="http://schemas.openxmlformats.org/markup-compatibility/2006" xmlns:p14="http://schemas.microsoft.com/office/powerpoint/2010/main">
+    <mc:Choice Requires="p14">
+      <p:transition spd="med" p14:dur="700">
+        <p:fade/>
+      </p:transition>
+    </mc:Choice>
+    <mc:Fallback xmlns="">
+      <p:transition spd="med">
+        <p:fade/>
+      </p:transition>
+    </mc:Fallback>
+  </mc:AlternateContent>
+</p:sld>
+</file>
+
+<file path=ppt/slides/slide12.xml><?xml version="1.0" encoding="utf-8"?>
+<p:sld xmlns:a="http://schemas.openxmlformats.org/drawingml/2006/main" xmlns:r="http://schemas.openxmlformats.org/officeDocument/2006/relationships" xmlns:p="http://schemas.openxmlformats.org/presentationml/2006/main">
+  <p:cSld>
+    <p:spTree>
+      <p:nvGrpSpPr>
+        <p:cNvPr id="1" name=""/>
+        <p:cNvGrpSpPr/>
+        <p:nvPr/>
+      </p:nvGrpSpPr>
+      <p:grpSpPr>
+        <a:xfrm>
+          <a:off x="0" y="0"/>
+          <a:ext cx="0" cy="0"/>
+          <a:chOff x="0" y="0"/>
+          <a:chExt cx="0" cy="0"/>
+        </a:xfrm>
+      </p:grpSpPr>
+      <p:sp>
+        <p:nvSpPr>
+          <p:cNvPr id="2" name="TextBox 1">
+            <a:extLst>
+              <a:ext uri="{FF2B5EF4-FFF2-40B4-BE49-F238E27FC236}">
                 <a16:creationId xmlns:a16="http://schemas.microsoft.com/office/drawing/2014/main" id="{E77F3A85-0C04-4C01-B95C-E456EF4D29DA}"/>
               </a:ext>
             </a:extLst>
@@ -4318,7 +4489,7 @@
         <p:spPr>
           <a:xfrm>
             <a:off x="227012" y="381000"/>
-            <a:ext cx="11049000" cy="4154984"/>
+            <a:ext cx="11049000" cy="5646033"/>
           </a:xfrm>
           <a:prstGeom prst="rect">
             <a:avLst/>
@@ -4345,6 +4516,11 @@
             </a:endParaRPr>
           </a:p>
           <a:p>
+            <a:pPr>
+              <a:lnSpc>
+                <a:spcPct val="150000"/>
+              </a:lnSpc>
+            </a:pPr>
             <a:r>
               <a:rPr lang="en-US" sz="2000" dirty="0">
                 <a:latin typeface="Arial Black" panose="020B0A04020102020204" pitchFamily="34" charset="0"/>
@@ -4679,7 +4855,7 @@
                   <a:schemeClr val="tx2"/>
                 </a:solidFill>
               </a:rPr>
-              <a:t>San Bernardino County.com</a:t>
+              <a:t>www.kidscount.org</a:t>
             </a:r>
           </a:p>
         </p:txBody>
@@ -4741,7 +4917,7 @@
         <p:spPr>
           <a:xfrm>
             <a:off x="531812" y="533400"/>
-            <a:ext cx="11277600" cy="5016758"/>
+            <a:ext cx="11277600" cy="6309420"/>
           </a:xfrm>
           <a:prstGeom prst="rect">
             <a:avLst/>
@@ -4796,55 +4972,81 @@
           </a:p>
           <a:p>
             <a:pPr marL="514350" indent="-514350">
-              <a:buFont typeface="+mj-lt"/>
-              <a:buAutoNum type="arabicPeriod"/>
+              <a:buAutoNum type="arabicPeriod" startAt="3"/>
             </a:pPr>
             <a:r>
               <a:rPr lang="en-US" sz="2800" dirty="0">
                 <a:latin typeface="Arial" panose="020B0604020202020204" pitchFamily="34" charset="0"/>
                 <a:cs typeface="Arial" panose="020B0604020202020204" pitchFamily="34" charset="0"/>
               </a:rPr>
-              <a:t>San Bernardino County Poverty Rates</a:t>
+              <a:t>Poverty Rates</a:t>
             </a:r>
           </a:p>
           <a:p>
             <a:pPr marL="514350" indent="-514350">
-              <a:buFont typeface="+mj-lt"/>
-              <a:buAutoNum type="arabicPeriod"/>
+              <a:buAutoNum type="arabicPeriod" startAt="3"/>
             </a:pPr>
             <a:r>
               <a:rPr lang="en-US" sz="2800" dirty="0">
                 <a:latin typeface="Arial" panose="020B0604020202020204" pitchFamily="34" charset="0"/>
                 <a:cs typeface="Arial" panose="020B0604020202020204" pitchFamily="34" charset="0"/>
               </a:rPr>
-              <a:t>San Bernardino County Unemployment Rates</a:t>
+              <a:t>Unemployment Rates</a:t>
             </a:r>
           </a:p>
           <a:p>
             <a:pPr marL="514350" indent="-514350">
-              <a:buFont typeface="+mj-lt"/>
-              <a:buAutoNum type="arabicPeriod"/>
+              <a:buAutoNum type="arabicPeriod" startAt="3"/>
             </a:pPr>
             <a:r>
               <a:rPr lang="en-US" sz="2800" dirty="0">
                 <a:latin typeface="Arial" panose="020B0604020202020204" pitchFamily="34" charset="0"/>
                 <a:cs typeface="Arial" panose="020B0604020202020204" pitchFamily="34" charset="0"/>
               </a:rPr>
-              <a:t>San Bernardino County Insured Rates</a:t>
+              <a:t>Insurance Coverage Rates</a:t>
             </a:r>
           </a:p>
           <a:p>
             <a:pPr marL="514350" indent="-514350">
-              <a:buFont typeface="+mj-lt"/>
-              <a:buAutoNum type="arabicPeriod"/>
+              <a:buAutoNum type="arabicPeriod" startAt="3"/>
             </a:pPr>
             <a:r>
               <a:rPr lang="en-US" sz="2800" dirty="0">
                 <a:latin typeface="Arial" panose="020B0604020202020204" pitchFamily="34" charset="0"/>
                 <a:cs typeface="Arial" panose="020B0604020202020204" pitchFamily="34" charset="0"/>
               </a:rPr>
-              <a:t>San Bernardino County Home to income Ratio</a:t>
-            </a:r>
+              <a:t>Rent to Income Ratio</a:t>
+            </a:r>
+          </a:p>
+          <a:p>
+            <a:pPr marL="514350" indent="-514350">
+              <a:buAutoNum type="arabicPeriod" startAt="3"/>
+            </a:pPr>
+            <a:r>
+              <a:rPr lang="en-US" sz="2800" dirty="0">
+                <a:latin typeface="Arial" panose="020B0604020202020204" pitchFamily="34" charset="0"/>
+                <a:cs typeface="Arial" panose="020B0604020202020204" pitchFamily="34" charset="0"/>
+              </a:rPr>
+              <a:t>Cohort Graduation Rate</a:t>
+            </a:r>
+          </a:p>
+          <a:p>
+            <a:pPr marL="514350" indent="-514350">
+              <a:buAutoNum type="arabicPeriod" startAt="3"/>
+            </a:pPr>
+            <a:r>
+              <a:rPr lang="en-US" sz="2800" dirty="0">
+                <a:latin typeface="Arial" panose="020B0604020202020204" pitchFamily="34" charset="0"/>
+                <a:cs typeface="Arial" panose="020B0604020202020204" pitchFamily="34" charset="0"/>
+              </a:rPr>
+              <a:t>Number Of Health Centers per County</a:t>
+            </a:r>
+          </a:p>
+          <a:p>
+            <a:endParaRPr lang="en-US" sz="2800" dirty="0">
+              <a:latin typeface="Arial" panose="020B0604020202020204" pitchFamily="34" charset="0"/>
+              <a:cs typeface="Arial" panose="020B0604020202020204" pitchFamily="34" charset="0"/>
+            </a:endParaRPr>
           </a:p>
           <a:p>
             <a:pPr marL="514350" indent="-514350">
@@ -5124,10 +5326,10 @@
       </p:sp>
       <p:pic>
         <p:nvPicPr>
-          <p:cNvPr id="9" name="Content Placeholder 8" descr="A screenshot of a video game&#10;&#10;Description generated with high confidence">
+          <p:cNvPr id="6" name="Content Placeholder 5" descr="A screenshot of a cell phone&#10;&#10;Description generated with high confidence">
             <a:extLst>
               <a:ext uri="{FF2B5EF4-FFF2-40B4-BE49-F238E27FC236}">
-                <a16:creationId xmlns:a16="http://schemas.microsoft.com/office/drawing/2014/main" id="{58604D48-10AF-4934-BE84-692163E94FD1}"/>
+                <a16:creationId xmlns:a16="http://schemas.microsoft.com/office/drawing/2014/main" id="{1A1A0AF0-3ECB-4430-856B-BBAB19C366E2}"/>
               </a:ext>
             </a:extLst>
           </p:cNvPr>
@@ -5152,8 +5354,8 @@
         </p:blipFill>
         <p:spPr>
           <a:xfrm>
-            <a:off x="4341812" y="381000"/>
-            <a:ext cx="7542292" cy="6477000"/>
+            <a:off x="3960812" y="457200"/>
+            <a:ext cx="7239000" cy="6019799"/>
           </a:xfrm>
         </p:spPr>
       </p:pic>
@@ -5262,7 +5464,7 @@
           <a:p>
             <a:r>
               <a:rPr lang="en-US" sz="2000" dirty="0"/>
-              <a:t>Using the scatterplot, there is positive correlation between the number of insured students and the graduation rate.</a:t>
+              <a:t>Using the boxplot/scatterplot, there is positive correlation between the number of insured students and the graduation rate.</a:t>
             </a:r>
           </a:p>
           <a:p>
@@ -5289,10 +5491,10 @@
       </p:sp>
       <p:pic>
         <p:nvPicPr>
-          <p:cNvPr id="6" name="Content Placeholder 5" descr="A screenshot of a cell phone&#10;&#10;Description generated with very high confidence">
+          <p:cNvPr id="7" name="Content Placeholder 6" descr="A screenshot of a cell phone&#10;&#10;Description generated with very high confidence">
             <a:extLst>
               <a:ext uri="{FF2B5EF4-FFF2-40B4-BE49-F238E27FC236}">
-                <a16:creationId xmlns:a16="http://schemas.microsoft.com/office/drawing/2014/main" id="{9FDF7BF5-67CA-4AC7-9B48-65181F374CD5}"/>
+                <a16:creationId xmlns:a16="http://schemas.microsoft.com/office/drawing/2014/main" id="{C8A4629C-6F7B-4794-B235-C67AA3953E10}"/>
               </a:ext>
             </a:extLst>
           </p:cNvPr>
@@ -5317,8 +5519,8 @@
         </p:blipFill>
         <p:spPr>
           <a:xfrm>
-            <a:off x="4265612" y="457200"/>
-            <a:ext cx="7239000" cy="6400799"/>
+            <a:off x="4418012" y="457200"/>
+            <a:ext cx="7010400" cy="6019799"/>
           </a:xfrm>
         </p:spPr>
       </p:pic>
@@ -5366,118 +5568,122 @@
       </p:grpSpPr>
       <p:sp>
         <p:nvSpPr>
-          <p:cNvPr id="2" name="TextBox 1">
+          <p:cNvPr id="2" name="Title 1">
             <a:extLst>
               <a:ext uri="{FF2B5EF4-FFF2-40B4-BE49-F238E27FC236}">
-                <a16:creationId xmlns:a16="http://schemas.microsoft.com/office/drawing/2014/main" id="{011948C3-1AB9-4D9E-8BE1-75C35561C22C}"/>
+                <a16:creationId xmlns:a16="http://schemas.microsoft.com/office/drawing/2014/main" id="{74FBC68E-FE2C-46D5-8B4B-E268144DB414}"/>
               </a:ext>
             </a:extLst>
           </p:cNvPr>
-          <p:cNvSpPr txBox="1"/>
-          <p:nvPr/>
+          <p:cNvSpPr>
+            <a:spLocks noGrp="1"/>
+          </p:cNvSpPr>
+          <p:nvPr>
+            <p:ph type="title"/>
+          </p:nvPr>
         </p:nvSpPr>
         <p:spPr>
           <a:xfrm>
-            <a:off x="760412" y="304800"/>
-            <a:ext cx="10896600" cy="3939540"/>
+            <a:off x="304721" y="787400"/>
+            <a:ext cx="3351927" cy="660400"/>
           </a:xfrm>
-          <a:prstGeom prst="rect">
-            <a:avLst/>
-          </a:prstGeom>
-          <a:noFill/>
         </p:spPr>
         <p:txBody>
-          <a:bodyPr wrap="square" rtlCol="0">
-            <a:spAutoFit/>
-          </a:bodyPr>
+          <a:bodyPr/>
           <a:lstStyle/>
           <a:p>
-            <a:pPr algn="ctr"/>
-            <a:r>
-              <a:rPr lang="en-US" sz="3600" dirty="0">
-                <a:latin typeface="Arial Black" panose="020B0A04020102020204" pitchFamily="34" charset="0"/>
-              </a:rPr>
-              <a:t>Machine Learning Model</a:t>
-            </a:r>
-          </a:p>
-          <a:p>
-            <a:endParaRPr lang="en-US" sz="1800" dirty="0">
-              <a:latin typeface="Arial" panose="020B0604020202020204" pitchFamily="34" charset="0"/>
-              <a:cs typeface="Arial" panose="020B0604020202020204" pitchFamily="34" charset="0"/>
-            </a:endParaRPr>
-          </a:p>
-          <a:p>
-            <a:pPr marL="342900" indent="-342900">
-              <a:buFont typeface="+mj-lt"/>
-              <a:buAutoNum type="arabicPeriod"/>
+            <a:r>
+              <a:rPr lang="en-US" dirty="0"/>
+              <a:t>Effects of Poverty on Graduation Rates</a:t>
+            </a:r>
+          </a:p>
+        </p:txBody>
+      </p:sp>
+      <p:sp>
+        <p:nvSpPr>
+          <p:cNvPr id="3" name="Text Placeholder 2">
+            <a:extLst>
+              <a:ext uri="{FF2B5EF4-FFF2-40B4-BE49-F238E27FC236}">
+                <a16:creationId xmlns:a16="http://schemas.microsoft.com/office/drawing/2014/main" id="{80D028B4-4260-4AE9-A1DD-17299A619607}"/>
+              </a:ext>
+            </a:extLst>
+          </p:cNvPr>
+          <p:cNvSpPr>
+            <a:spLocks noGrp="1"/>
+          </p:cNvSpPr>
+          <p:nvPr>
+            <p:ph type="body" sz="half" idx="2"/>
+          </p:nvPr>
+        </p:nvSpPr>
+        <p:spPr>
+          <a:xfrm>
+            <a:off x="304721" y="1600200"/>
+            <a:ext cx="3351927" cy="4775200"/>
+          </a:xfrm>
+        </p:spPr>
+        <p:txBody>
+          <a:bodyPr/>
+          <a:lstStyle/>
+          <a:p>
+            <a:r>
+              <a:rPr lang="en-US" dirty="0"/>
+              <a:t>According to the graph, poverty rates have a slight correlation with graduation rates.</a:t>
+            </a:r>
+          </a:p>
+          <a:p>
+            <a:pPr marL="285750" indent="-285750">
+              <a:buFont typeface="Arial" panose="020B0604020202020204" pitchFamily="34" charset="0"/>
+              <a:buChar char="•"/>
             </a:pPr>
             <a:r>
-              <a:rPr lang="en-US" sz="2800" dirty="0">
-                <a:latin typeface="Arial" panose="020B0604020202020204" pitchFamily="34" charset="0"/>
-                <a:cs typeface="Arial" panose="020B0604020202020204" pitchFamily="34" charset="0"/>
-              </a:rPr>
-              <a:t>Picked two regression models (Linear Regression and Lasso).</a:t>
-            </a:r>
-          </a:p>
-          <a:p>
-            <a:pPr marL="342900" indent="-342900">
-              <a:buFont typeface="+mj-lt"/>
-              <a:buAutoNum type="arabicPeriod"/>
-            </a:pPr>
-            <a:r>
-              <a:rPr lang="en-US" sz="2800" dirty="0">
-                <a:latin typeface="Arial" panose="020B0604020202020204" pitchFamily="34" charset="0"/>
-                <a:cs typeface="Arial" panose="020B0604020202020204" pitchFamily="34" charset="0"/>
-              </a:rPr>
-              <a:t>Set up a pipeline for each model and created a dictionary of parameters.</a:t>
-            </a:r>
-          </a:p>
-          <a:p>
-            <a:pPr marL="342900" indent="-342900">
-              <a:buFont typeface="+mj-lt"/>
-              <a:buAutoNum type="arabicPeriod"/>
-            </a:pPr>
-            <a:r>
-              <a:rPr lang="en-US" sz="2800" dirty="0">
-                <a:latin typeface="Arial" panose="020B0604020202020204" pitchFamily="34" charset="0"/>
-                <a:cs typeface="Arial" panose="020B0604020202020204" pitchFamily="34" charset="0"/>
-              </a:rPr>
-              <a:t>Ran each pipeline through </a:t>
-            </a:r>
-            <a:r>
-              <a:rPr lang="en-US" sz="2800" dirty="0" err="1">
-                <a:latin typeface="Arial" panose="020B0604020202020204" pitchFamily="34" charset="0"/>
-                <a:cs typeface="Arial" panose="020B0604020202020204" pitchFamily="34" charset="0"/>
-              </a:rPr>
-              <a:t>GridSearchCV</a:t>
-            </a:r>
-            <a:r>
-              <a:rPr lang="en-US" sz="2800" dirty="0">
-                <a:latin typeface="Arial" panose="020B0604020202020204" pitchFamily="34" charset="0"/>
-                <a:cs typeface="Arial" panose="020B0604020202020204" pitchFamily="34" charset="0"/>
-              </a:rPr>
-              <a:t> to calculate the best regression model and the best parameters.</a:t>
-            </a:r>
-          </a:p>
-          <a:p>
-            <a:pPr marL="342900" indent="-342900">
-              <a:buFont typeface="+mj-lt"/>
-              <a:buAutoNum type="arabicPeriod"/>
-            </a:pPr>
-            <a:r>
-              <a:rPr lang="en-US" sz="2800" dirty="0">
-                <a:latin typeface="Arial" panose="020B0604020202020204" pitchFamily="34" charset="0"/>
-                <a:cs typeface="Arial" panose="020B0604020202020204" pitchFamily="34" charset="0"/>
-              </a:rPr>
-              <a:t>Using R2 score, linear regression was the best model with a score of 0.893.</a:t>
-            </a:r>
-          </a:p>
-        </p:txBody>
-      </p:sp>
+              <a:rPr lang="en-US" dirty="0"/>
+              <a:t>Lower poverty has a lower mean graduation rate compared to higher poverty</a:t>
+            </a:r>
+          </a:p>
+          <a:p>
+            <a:endParaRPr lang="en-US" dirty="0"/>
+          </a:p>
+        </p:txBody>
+      </p:sp>
+      <p:pic>
+        <p:nvPicPr>
+          <p:cNvPr id="6" name="Content Placeholder 5" descr="A screenshot of a cell phone&#10;&#10;Description generated with very high confidence">
+            <a:extLst>
+              <a:ext uri="{FF2B5EF4-FFF2-40B4-BE49-F238E27FC236}">
+                <a16:creationId xmlns:a16="http://schemas.microsoft.com/office/drawing/2014/main" id="{7C6E7194-4256-46A9-859E-C15A3BAE7363}"/>
+              </a:ext>
+            </a:extLst>
+          </p:cNvPr>
+          <p:cNvPicPr>
+            <a:picLocks noGrp="1" noChangeAspect="1"/>
+          </p:cNvPicPr>
+          <p:nvPr>
+            <p:ph idx="1"/>
+          </p:nvPr>
+        </p:nvPicPr>
+        <p:blipFill>
+          <a:blip r:embed="rId2">
+            <a:extLst>
+              <a:ext uri="{28A0092B-C50C-407E-A947-70E740481C1C}">
+                <a14:useLocalDpi xmlns:a14="http://schemas.microsoft.com/office/drawing/2010/main" val="0"/>
+              </a:ext>
+            </a:extLst>
+          </a:blip>
+          <a:stretch>
+            <a:fillRect/>
+          </a:stretch>
+        </p:blipFill>
+        <p:spPr>
+          <a:xfrm>
+            <a:off x="4646612" y="787399"/>
+            <a:ext cx="7237491" cy="5156201"/>
+          </a:xfrm>
+        </p:spPr>
+      </p:pic>
     </p:spTree>
     <p:extLst>
       <p:ext uri="{BB962C8B-B14F-4D97-AF65-F5344CB8AC3E}">
-        <p14:creationId xmlns:p14="http://schemas.microsoft.com/office/powerpoint/2010/main" val="2747476742"/>
+        <p14:creationId xmlns:p14="http://schemas.microsoft.com/office/powerpoint/2010/main" val="3001663002"/>
       </p:ext>
     </p:extLst>
   </p:cSld>
@@ -7349,6 +7555,15 @@
 </file>
 
 <file path=customXml/item2.xml><?xml version="1.0" encoding="utf-8"?>
+<?mso-contentType ?>
+<FormTemplates xmlns="http://schemas.microsoft.com/sharepoint/v3/contenttype/forms">
+  <Display>DocumentLibraryForm</Display>
+  <Edit>AssetEditForm</Edit>
+  <New>DocumentLibraryForm</New>
+</FormTemplates>
+</file>
+
+<file path=customXml/item3.xml><?xml version="1.0" encoding="utf-8"?>
 <p:properties xmlns:p="http://schemas.microsoft.com/office/2006/metadata/properties" xmlns:xsi="http://www.w3.org/2001/XMLSchema-instance" xmlns:pc="http://schemas.microsoft.com/office/infopath/2007/PartnerControls">
   <documentManagement>
     <LocPublishedLinkedAssetsLookup xmlns="4873beb7-5857-4685-be1f-d57550cc96cc" xsi:nil="true"/>
@@ -7484,15 +7699,6 @@
 </p:properties>
 </file>
 
-<file path=customXml/item3.xml><?xml version="1.0" encoding="utf-8"?>
-<?mso-contentType ?>
-<FormTemplates xmlns="http://schemas.microsoft.com/sharepoint/v3/contenttype/forms">
-  <Display>DocumentLibraryForm</Display>
-  <Edit>AssetEditForm</Edit>
-  <New>DocumentLibraryForm</New>
-</FormTemplates>
-</file>
-
 <file path=customXml/itemProps1.xml><?xml version="1.0" encoding="utf-8"?>
 <ds:datastoreItem xmlns:ds="http://schemas.openxmlformats.org/officeDocument/2006/customXml" ds:itemID="{BBB5C329-08A6-4E5E-AEF1-A97828C87411}">
   <ds:schemaRefs>
@@ -7512,25 +7718,25 @@
 </file>
 
 <file path=customXml/itemProps2.xml><?xml version="1.0" encoding="utf-8"?>
-<ds:datastoreItem xmlns:ds="http://schemas.openxmlformats.org/officeDocument/2006/customXml" ds:itemID="{F301D382-32B0-43EE-932C-28906AF37617}">
+<ds:datastoreItem xmlns:ds="http://schemas.openxmlformats.org/officeDocument/2006/customXml" ds:itemID="{E1B558C7-619B-49BE-9097-7FCBDADD4ECE}">
   <ds:schemaRefs>
-    <ds:schemaRef ds:uri="http://purl.org/dc/elements/1.1/"/>
-    <ds:schemaRef ds:uri="http://schemas.microsoft.com/office/2006/metadata/properties"/>
-    <ds:schemaRef ds:uri="http://purl.org/dc/terms/"/>
-    <ds:schemaRef ds:uri="http://schemas.openxmlformats.org/package/2006/metadata/core-properties"/>
-    <ds:schemaRef ds:uri="4873beb7-5857-4685-be1f-d57550cc96cc"/>
-    <ds:schemaRef ds:uri="http://schemas.microsoft.com/office/2006/documentManagement/types"/>
-    <ds:schemaRef ds:uri="http://schemas.microsoft.com/office/infopath/2007/PartnerControls"/>
-    <ds:schemaRef ds:uri="http://www.w3.org/XML/1998/namespace"/>
-    <ds:schemaRef ds:uri="http://purl.org/dc/dcmitype/"/>
+    <ds:schemaRef ds:uri="http://schemas.microsoft.com/sharepoint/v3/contenttype/forms"/>
   </ds:schemaRefs>
 </ds:datastoreItem>
 </file>
 
 <file path=customXml/itemProps3.xml><?xml version="1.0" encoding="utf-8"?>
-<ds:datastoreItem xmlns:ds="http://schemas.openxmlformats.org/officeDocument/2006/customXml" ds:itemID="{E1B558C7-619B-49BE-9097-7FCBDADD4ECE}">
+<ds:datastoreItem xmlns:ds="http://schemas.openxmlformats.org/officeDocument/2006/customXml" ds:itemID="{F301D382-32B0-43EE-932C-28906AF37617}">
   <ds:schemaRefs>
-    <ds:schemaRef ds:uri="http://schemas.microsoft.com/sharepoint/v3/contenttype/forms"/>
+    <ds:schemaRef ds:uri="http://purl.org/dc/terms/"/>
+    <ds:schemaRef ds:uri="http://schemas.openxmlformats.org/package/2006/metadata/core-properties"/>
+    <ds:schemaRef ds:uri="http://schemas.microsoft.com/office/2006/documentManagement/types"/>
+    <ds:schemaRef ds:uri="http://schemas.microsoft.com/office/infopath/2007/PartnerControls"/>
+    <ds:schemaRef ds:uri="http://purl.org/dc/elements/1.1/"/>
+    <ds:schemaRef ds:uri="http://schemas.microsoft.com/office/2006/metadata/properties"/>
+    <ds:schemaRef ds:uri="4873beb7-5857-4685-be1f-d57550cc96cc"/>
+    <ds:schemaRef ds:uri="http://www.w3.org/XML/1998/namespace"/>
+    <ds:schemaRef ds:uri="http://purl.org/dc/dcmitype/"/>
   </ds:schemaRefs>
 </ds:datastoreItem>
 </file>